--- a/Presentation.pptx
+++ b/Presentation.pptx
@@ -338,7 +338,7 @@
           <a:p>
             <a:fld id="{3682D837-3ABC-4948-A786-0419D208D8FF}" type="datetimeFigureOut">
               <a:rPr lang="en-US" smtClean="0"/>
-              <a:t>8/25/22</a:t>
+              <a:t>8/31/22</a:t>
             </a:fld>
             <a:endParaRPr lang="en-US"/>
           </a:p>
@@ -905,7 +905,7 @@
           <a:p>
             <a:fld id="{3E0EC815-B472-534B-B17B-EBFC292FBDDC}" type="datetimeFigureOut">
               <a:rPr lang="en-US" smtClean="0"/>
-              <a:t>8/25/22</a:t>
+              <a:t>8/31/22</a:t>
             </a:fld>
             <a:endParaRPr lang="en-US"/>
           </a:p>
@@ -1075,7 +1075,7 @@
           <a:p>
             <a:fld id="{3E0EC815-B472-534B-B17B-EBFC292FBDDC}" type="datetimeFigureOut">
               <a:rPr lang="en-US" smtClean="0"/>
-              <a:t>8/25/22</a:t>
+              <a:t>8/31/22</a:t>
             </a:fld>
             <a:endParaRPr lang="en-US"/>
           </a:p>
@@ -1255,7 +1255,7 @@
           <a:p>
             <a:fld id="{3E0EC815-B472-534B-B17B-EBFC292FBDDC}" type="datetimeFigureOut">
               <a:rPr lang="en-US" smtClean="0"/>
-              <a:t>8/25/22</a:t>
+              <a:t>8/31/22</a:t>
             </a:fld>
             <a:endParaRPr lang="en-US"/>
           </a:p>
@@ -1425,7 +1425,7 @@
           <a:p>
             <a:fld id="{3E0EC815-B472-534B-B17B-EBFC292FBDDC}" type="datetimeFigureOut">
               <a:rPr lang="en-US" smtClean="0"/>
-              <a:t>8/25/22</a:t>
+              <a:t>8/31/22</a:t>
             </a:fld>
             <a:endParaRPr lang="en-US"/>
           </a:p>
@@ -1671,7 +1671,7 @@
           <a:p>
             <a:fld id="{3E0EC815-B472-534B-B17B-EBFC292FBDDC}" type="datetimeFigureOut">
               <a:rPr lang="en-US" smtClean="0"/>
-              <a:t>8/25/22</a:t>
+              <a:t>8/31/22</a:t>
             </a:fld>
             <a:endParaRPr lang="en-US"/>
           </a:p>
@@ -1903,7 +1903,7 @@
           <a:p>
             <a:fld id="{3E0EC815-B472-534B-B17B-EBFC292FBDDC}" type="datetimeFigureOut">
               <a:rPr lang="en-US" smtClean="0"/>
-              <a:t>8/25/22</a:t>
+              <a:t>8/31/22</a:t>
             </a:fld>
             <a:endParaRPr lang="en-US"/>
           </a:p>
@@ -2270,7 +2270,7 @@
           <a:p>
             <a:fld id="{3E0EC815-B472-534B-B17B-EBFC292FBDDC}" type="datetimeFigureOut">
               <a:rPr lang="en-US" smtClean="0"/>
-              <a:t>8/25/22</a:t>
+              <a:t>8/31/22</a:t>
             </a:fld>
             <a:endParaRPr lang="en-US"/>
           </a:p>
@@ -2388,7 +2388,7 @@
           <a:p>
             <a:fld id="{3E0EC815-B472-534B-B17B-EBFC292FBDDC}" type="datetimeFigureOut">
               <a:rPr lang="en-US" smtClean="0"/>
-              <a:t>8/25/22</a:t>
+              <a:t>8/31/22</a:t>
             </a:fld>
             <a:endParaRPr lang="en-US"/>
           </a:p>
@@ -2483,7 +2483,7 @@
           <a:p>
             <a:fld id="{3E0EC815-B472-534B-B17B-EBFC292FBDDC}" type="datetimeFigureOut">
               <a:rPr lang="en-US" smtClean="0"/>
-              <a:t>8/25/22</a:t>
+              <a:t>8/31/22</a:t>
             </a:fld>
             <a:endParaRPr lang="en-US"/>
           </a:p>
@@ -2760,7 +2760,7 @@
           <a:p>
             <a:fld id="{3E0EC815-B472-534B-B17B-EBFC292FBDDC}" type="datetimeFigureOut">
               <a:rPr lang="en-US" smtClean="0"/>
-              <a:t>8/25/22</a:t>
+              <a:t>8/31/22</a:t>
             </a:fld>
             <a:endParaRPr lang="en-US"/>
           </a:p>
@@ -3016,7 +3016,7 @@
           <a:p>
             <a:fld id="{3E0EC815-B472-534B-B17B-EBFC292FBDDC}" type="datetimeFigureOut">
               <a:rPr lang="en-US" smtClean="0"/>
-              <a:t>8/25/22</a:t>
+              <a:t>8/31/22</a:t>
             </a:fld>
             <a:endParaRPr lang="en-US"/>
           </a:p>
@@ -3229,7 +3229,7 @@
           <a:p>
             <a:fld id="{3E0EC815-B472-534B-B17B-EBFC292FBDDC}" type="datetimeFigureOut">
               <a:rPr lang="en-US" smtClean="0"/>
-              <a:t>8/25/22</a:t>
+              <a:t>8/31/22</a:t>
             </a:fld>
             <a:endParaRPr lang="en-US"/>
           </a:p>
@@ -3639,7 +3639,7 @@
           <p:cNvPr id="4" name="Title 1">
             <a:extLst>
               <a:ext uri="{FF2B5EF4-FFF2-40B4-BE49-F238E27FC236}">
-                <a16:creationId xmlns:a16="http://schemas.microsoft.com/office/drawing/2014/main" xmlns="" id="{275F301C-13E3-E2B0-491C-88A94868DF3B}"/>
+                <a16:creationId xmlns="" xmlns:a16="http://schemas.microsoft.com/office/drawing/2014/main" id="{275F301C-13E3-E2B0-491C-88A94868DF3B}"/>
               </a:ext>
             </a:extLst>
           </p:cNvPr>
@@ -3709,7 +3709,7 @@
           <p:cNvPr id="6" name="TextBox 5">
             <a:extLst>
               <a:ext uri="{FF2B5EF4-FFF2-40B4-BE49-F238E27FC236}">
-                <a16:creationId xmlns:a16="http://schemas.microsoft.com/office/drawing/2014/main" xmlns="" id="{4B29BF0C-52AF-287D-B25F-0E8EB3935838}"/>
+                <a16:creationId xmlns="" xmlns:a16="http://schemas.microsoft.com/office/drawing/2014/main" id="{4B29BF0C-52AF-287D-B25F-0E8EB3935838}"/>
               </a:ext>
             </a:extLst>
           </p:cNvPr>
@@ -3792,7 +3792,7 @@
           <p:cNvPr id="2" name="Title 1">
             <a:extLst>
               <a:ext uri="{FF2B5EF4-FFF2-40B4-BE49-F238E27FC236}">
-                <a16:creationId xmlns:a16="http://schemas.microsoft.com/office/drawing/2014/main" xmlns="" id="{A366E7AE-2907-6A4C-B350-63622C840038}"/>
+                <a16:creationId xmlns="" xmlns:a16="http://schemas.microsoft.com/office/drawing/2014/main" id="{A366E7AE-2907-6A4C-B350-63622C840038}"/>
               </a:ext>
             </a:extLst>
           </p:cNvPr>
@@ -3837,7 +3837,7 @@
           <p:cNvPr id="3" name="Content Placeholder 2">
             <a:extLst>
               <a:ext uri="{FF2B5EF4-FFF2-40B4-BE49-F238E27FC236}">
-                <a16:creationId xmlns:a16="http://schemas.microsoft.com/office/drawing/2014/main" xmlns="" id="{9678DAF0-EC40-E05F-BE2A-6BAA3BC34ABB}"/>
+                <a16:creationId xmlns="" xmlns:a16="http://schemas.microsoft.com/office/drawing/2014/main" id="{9678DAF0-EC40-E05F-BE2A-6BAA3BC34ABB}"/>
               </a:ext>
             </a:extLst>
           </p:cNvPr>
@@ -3886,11 +3886,7 @@
             </a:pPr>
             <a:r>
               <a:rPr lang="en-US" dirty="0" smtClean="0"/>
-              <a:t>Add </a:t>
-            </a:r>
-            <a:r>
-              <a:rPr lang="en-US" dirty="0" smtClean="0"/>
-              <a:t>more features into our model to see how the model’s accuracy is affected. </a:t>
+              <a:t>Add more features into our model to see how the model’s accuracy is affected. </a:t>
             </a:r>
             <a:endParaRPr lang="en-US" dirty="0"/>
           </a:p>
@@ -3901,7 +3897,7 @@
           <p:cNvPr id="10" name="TextBox 9">
             <a:extLst>
               <a:ext uri="{FF2B5EF4-FFF2-40B4-BE49-F238E27FC236}">
-                <a16:creationId xmlns:a16="http://schemas.microsoft.com/office/drawing/2014/main" xmlns="" id="{A0319DFB-F773-7122-A4DE-9C823B1A841B}"/>
+                <a16:creationId xmlns="" xmlns:a16="http://schemas.microsoft.com/office/drawing/2014/main" id="{A0319DFB-F773-7122-A4DE-9C823B1A841B}"/>
               </a:ext>
             </a:extLst>
           </p:cNvPr>
@@ -3984,7 +3980,7 @@
           <p:cNvPr id="2" name="Title 1">
             <a:extLst>
               <a:ext uri="{FF2B5EF4-FFF2-40B4-BE49-F238E27FC236}">
-                <a16:creationId xmlns:a16="http://schemas.microsoft.com/office/drawing/2014/main" xmlns="" id="{A366E7AE-2907-6A4C-B350-63622C840038}"/>
+                <a16:creationId xmlns="" xmlns:a16="http://schemas.microsoft.com/office/drawing/2014/main" id="{A366E7AE-2907-6A4C-B350-63622C840038}"/>
               </a:ext>
             </a:extLst>
           </p:cNvPr>
@@ -4023,7 +4019,7 @@
           <p:cNvPr id="3" name="Content Placeholder 2">
             <a:extLst>
               <a:ext uri="{FF2B5EF4-FFF2-40B4-BE49-F238E27FC236}">
-                <a16:creationId xmlns:a16="http://schemas.microsoft.com/office/drawing/2014/main" xmlns="" id="{9678DAF0-EC40-E05F-BE2A-6BAA3BC34ABB}"/>
+                <a16:creationId xmlns="" xmlns:a16="http://schemas.microsoft.com/office/drawing/2014/main" id="{9678DAF0-EC40-E05F-BE2A-6BAA3BC34ABB}"/>
               </a:ext>
             </a:extLst>
           </p:cNvPr>
@@ -4078,7 +4074,7 @@
           <p:cNvPr id="10" name="TextBox 9">
             <a:extLst>
               <a:ext uri="{FF2B5EF4-FFF2-40B4-BE49-F238E27FC236}">
-                <a16:creationId xmlns:a16="http://schemas.microsoft.com/office/drawing/2014/main" xmlns="" id="{A0319DFB-F773-7122-A4DE-9C823B1A841B}"/>
+                <a16:creationId xmlns="" xmlns:a16="http://schemas.microsoft.com/office/drawing/2014/main" id="{A0319DFB-F773-7122-A4DE-9C823B1A841B}"/>
               </a:ext>
             </a:extLst>
           </p:cNvPr>
@@ -4116,7 +4112,7 @@
           <p:cNvPr id="25" name="Content Placeholder 2">
             <a:extLst>
               <a:ext uri="{FF2B5EF4-FFF2-40B4-BE49-F238E27FC236}">
-                <a16:creationId xmlns:a16="http://schemas.microsoft.com/office/drawing/2014/main" xmlns="" id="{A7A581C5-A211-B778-4BDB-55F20530B1C6}"/>
+                <a16:creationId xmlns="" xmlns:a16="http://schemas.microsoft.com/office/drawing/2014/main" id="{A7A581C5-A211-B778-4BDB-55F20530B1C6}"/>
               </a:ext>
             </a:extLst>
           </p:cNvPr>
@@ -4388,7 +4384,7 @@
           <p:cNvPr id="6" name="Graphic 5" descr="Link with solid fill">
             <a:extLst>
               <a:ext uri="{FF2B5EF4-FFF2-40B4-BE49-F238E27FC236}">
-                <a16:creationId xmlns:a16="http://schemas.microsoft.com/office/drawing/2014/main" xmlns="" id="{63B4DE5F-0546-2C67-64DA-5329F7903263}"/>
+                <a16:creationId xmlns="" xmlns:a16="http://schemas.microsoft.com/office/drawing/2014/main" id="{63B4DE5F-0546-2C67-64DA-5329F7903263}"/>
               </a:ext>
             </a:extLst>
           </p:cNvPr>
@@ -4401,7 +4397,7 @@
           <a:blip r:embed="rId4">
             <a:extLst>
               <a:ext uri="{96DAC541-7B7A-43D3-8B79-37D633B846F1}">
-                <asvg:svgBlip xmlns:asvg="http://schemas.microsoft.com/office/drawing/2016/SVG/main" xmlns="" r:embed="rId5"/>
+                <asvg:svgBlip xmlns="" xmlns:asvg="http://schemas.microsoft.com/office/drawing/2016/SVG/main" r:embed="rId5"/>
               </a:ext>
             </a:extLst>
           </a:blip>
@@ -4424,7 +4420,7 @@
           <p:cNvPr id="8" name="Graphic 7" descr="Envelope with solid fill">
             <a:extLst>
               <a:ext uri="{FF2B5EF4-FFF2-40B4-BE49-F238E27FC236}">
-                <a16:creationId xmlns:a16="http://schemas.microsoft.com/office/drawing/2014/main" xmlns="" id="{676F87C9-EED9-DE21-9549-1B77624C8602}"/>
+                <a16:creationId xmlns="" xmlns:a16="http://schemas.microsoft.com/office/drawing/2014/main" id="{676F87C9-EED9-DE21-9549-1B77624C8602}"/>
               </a:ext>
             </a:extLst>
           </p:cNvPr>
@@ -4437,7 +4433,7 @@
           <a:blip r:embed="rId6">
             <a:extLst>
               <a:ext uri="{96DAC541-7B7A-43D3-8B79-37D633B846F1}">
-                <asvg:svgBlip xmlns:asvg="http://schemas.microsoft.com/office/drawing/2016/SVG/main" xmlns="" r:embed="rId7"/>
+                <asvg:svgBlip xmlns="" xmlns:asvg="http://schemas.microsoft.com/office/drawing/2016/SVG/main" r:embed="rId7"/>
               </a:ext>
             </a:extLst>
           </a:blip>
@@ -4505,7 +4501,7 @@
           <p:cNvPr id="2" name="Title 1">
             <a:extLst>
               <a:ext uri="{FF2B5EF4-FFF2-40B4-BE49-F238E27FC236}">
-                <a16:creationId xmlns:a16="http://schemas.microsoft.com/office/drawing/2014/main" xmlns="" id="{A366E7AE-2907-6A4C-B350-63622C840038}"/>
+                <a16:creationId xmlns="" xmlns:a16="http://schemas.microsoft.com/office/drawing/2014/main" id="{A366E7AE-2907-6A4C-B350-63622C840038}"/>
               </a:ext>
             </a:extLst>
           </p:cNvPr>
@@ -4543,7 +4539,7 @@
           <p:cNvPr id="4" name="Rectangle 3">
             <a:extLst>
               <a:ext uri="{FF2B5EF4-FFF2-40B4-BE49-F238E27FC236}">
-                <a16:creationId xmlns:a16="http://schemas.microsoft.com/office/drawing/2014/main" xmlns="" id="{9855AB97-CE12-8C6A-E32A-0980E93B3A40}"/>
+                <a16:creationId xmlns="" xmlns:a16="http://schemas.microsoft.com/office/drawing/2014/main" id="{9855AB97-CE12-8C6A-E32A-0980E93B3A40}"/>
               </a:ext>
             </a:extLst>
           </p:cNvPr>
@@ -4598,7 +4594,7 @@
           <p:cNvPr id="3" name="Content Placeholder 2">
             <a:extLst>
               <a:ext uri="{FF2B5EF4-FFF2-40B4-BE49-F238E27FC236}">
-                <a16:creationId xmlns:a16="http://schemas.microsoft.com/office/drawing/2014/main" xmlns="" id="{9678DAF0-EC40-E05F-BE2A-6BAA3BC34ABB}"/>
+                <a16:creationId xmlns="" xmlns:a16="http://schemas.microsoft.com/office/drawing/2014/main" id="{9678DAF0-EC40-E05F-BE2A-6BAA3BC34ABB}"/>
               </a:ext>
             </a:extLst>
           </p:cNvPr>
@@ -4791,7 +4787,7 @@
           <p:cNvPr id="7" name="Group 6">
             <a:extLst>
               <a:ext uri="{FF2B5EF4-FFF2-40B4-BE49-F238E27FC236}">
-                <a16:creationId xmlns:a16="http://schemas.microsoft.com/office/drawing/2014/main" xmlns="" id="{D8AEF3AE-39A3-C85A-FC27-30761203C34C}"/>
+                <a16:creationId xmlns="" xmlns:a16="http://schemas.microsoft.com/office/drawing/2014/main" id="{D8AEF3AE-39A3-C85A-FC27-30761203C34C}"/>
               </a:ext>
             </a:extLst>
           </p:cNvPr>
@@ -4811,7 +4807,7 @@
             <p:cNvPr id="5" name="Oval 4">
               <a:extLst>
                 <a:ext uri="{FF2B5EF4-FFF2-40B4-BE49-F238E27FC236}">
-                  <a16:creationId xmlns:a16="http://schemas.microsoft.com/office/drawing/2014/main" xmlns="" id="{0DD0759A-14D5-0655-7A55-0D299644E8D3}"/>
+                  <a16:creationId xmlns="" xmlns:a16="http://schemas.microsoft.com/office/drawing/2014/main" id="{0DD0759A-14D5-0655-7A55-0D299644E8D3}"/>
                 </a:ext>
               </a:extLst>
             </p:cNvPr>
@@ -4867,7 +4863,7 @@
             <p:cNvPr id="6" name="TextBox 5">
               <a:extLst>
                 <a:ext uri="{FF2B5EF4-FFF2-40B4-BE49-F238E27FC236}">
-                  <a16:creationId xmlns:a16="http://schemas.microsoft.com/office/drawing/2014/main" xmlns="" id="{5770CC35-4965-6D4D-EA9F-FFE646822EFA}"/>
+                  <a16:creationId xmlns="" xmlns:a16="http://schemas.microsoft.com/office/drawing/2014/main" id="{5770CC35-4965-6D4D-EA9F-FFE646822EFA}"/>
                 </a:ext>
               </a:extLst>
             </p:cNvPr>
@@ -4909,7 +4905,7 @@
           <p:cNvPr id="8" name="Group 7">
             <a:extLst>
               <a:ext uri="{FF2B5EF4-FFF2-40B4-BE49-F238E27FC236}">
-                <a16:creationId xmlns:a16="http://schemas.microsoft.com/office/drawing/2014/main" xmlns="" id="{291A76D4-3F35-C73B-D27A-193E3E844B60}"/>
+                <a16:creationId xmlns="" xmlns:a16="http://schemas.microsoft.com/office/drawing/2014/main" id="{291A76D4-3F35-C73B-D27A-193E3E844B60}"/>
               </a:ext>
             </a:extLst>
           </p:cNvPr>
@@ -4929,7 +4925,7 @@
             <p:cNvPr id="9" name="Oval 8">
               <a:extLst>
                 <a:ext uri="{FF2B5EF4-FFF2-40B4-BE49-F238E27FC236}">
-                  <a16:creationId xmlns:a16="http://schemas.microsoft.com/office/drawing/2014/main" xmlns="" id="{31E7A67B-0D4A-CB08-E274-F70DEACD122C}"/>
+                  <a16:creationId xmlns="" xmlns:a16="http://schemas.microsoft.com/office/drawing/2014/main" id="{31E7A67B-0D4A-CB08-E274-F70DEACD122C}"/>
                 </a:ext>
               </a:extLst>
             </p:cNvPr>
@@ -4985,7 +4981,7 @@
             <p:cNvPr id="10" name="TextBox 9">
               <a:extLst>
                 <a:ext uri="{FF2B5EF4-FFF2-40B4-BE49-F238E27FC236}">
-                  <a16:creationId xmlns:a16="http://schemas.microsoft.com/office/drawing/2014/main" xmlns="" id="{A0319DFB-F773-7122-A4DE-9C823B1A841B}"/>
+                  <a16:creationId xmlns="" xmlns:a16="http://schemas.microsoft.com/office/drawing/2014/main" id="{A0319DFB-F773-7122-A4DE-9C823B1A841B}"/>
                 </a:ext>
               </a:extLst>
             </p:cNvPr>
@@ -5027,7 +5023,7 @@
           <p:cNvPr id="11" name="Group 10">
             <a:extLst>
               <a:ext uri="{FF2B5EF4-FFF2-40B4-BE49-F238E27FC236}">
-                <a16:creationId xmlns:a16="http://schemas.microsoft.com/office/drawing/2014/main" xmlns="" id="{09D336AB-10F9-E388-33C1-C9804B2A8FC7}"/>
+                <a16:creationId xmlns="" xmlns:a16="http://schemas.microsoft.com/office/drawing/2014/main" id="{09D336AB-10F9-E388-33C1-C9804B2A8FC7}"/>
               </a:ext>
             </a:extLst>
           </p:cNvPr>
@@ -5047,7 +5043,7 @@
             <p:cNvPr id="12" name="Oval 11">
               <a:extLst>
                 <a:ext uri="{FF2B5EF4-FFF2-40B4-BE49-F238E27FC236}">
-                  <a16:creationId xmlns:a16="http://schemas.microsoft.com/office/drawing/2014/main" xmlns="" id="{41FC97F8-A1F0-378D-AA1C-151557EA26B3}"/>
+                  <a16:creationId xmlns="" xmlns:a16="http://schemas.microsoft.com/office/drawing/2014/main" id="{41FC97F8-A1F0-378D-AA1C-151557EA26B3}"/>
                 </a:ext>
               </a:extLst>
             </p:cNvPr>
@@ -5103,7 +5099,7 @@
             <p:cNvPr id="13" name="TextBox 12">
               <a:extLst>
                 <a:ext uri="{FF2B5EF4-FFF2-40B4-BE49-F238E27FC236}">
-                  <a16:creationId xmlns:a16="http://schemas.microsoft.com/office/drawing/2014/main" xmlns="" id="{5AE0CE05-CF04-4B7B-DBA6-53E572D0D893}"/>
+                  <a16:creationId xmlns="" xmlns:a16="http://schemas.microsoft.com/office/drawing/2014/main" id="{5AE0CE05-CF04-4B7B-DBA6-53E572D0D893}"/>
                 </a:ext>
               </a:extLst>
             </p:cNvPr>
@@ -5145,7 +5141,7 @@
           <p:cNvPr id="14" name="Group 13">
             <a:extLst>
               <a:ext uri="{FF2B5EF4-FFF2-40B4-BE49-F238E27FC236}">
-                <a16:creationId xmlns:a16="http://schemas.microsoft.com/office/drawing/2014/main" xmlns="" id="{7C434A68-C6C6-A737-92A6-BBCE2DBCEB27}"/>
+                <a16:creationId xmlns="" xmlns:a16="http://schemas.microsoft.com/office/drawing/2014/main" id="{7C434A68-C6C6-A737-92A6-BBCE2DBCEB27}"/>
               </a:ext>
             </a:extLst>
           </p:cNvPr>
@@ -5165,7 +5161,7 @@
             <p:cNvPr id="15" name="Oval 14">
               <a:extLst>
                 <a:ext uri="{FF2B5EF4-FFF2-40B4-BE49-F238E27FC236}">
-                  <a16:creationId xmlns:a16="http://schemas.microsoft.com/office/drawing/2014/main" xmlns="" id="{4825AA79-3A5C-81DA-EF7B-31EBEE355DC2}"/>
+                  <a16:creationId xmlns="" xmlns:a16="http://schemas.microsoft.com/office/drawing/2014/main" id="{4825AA79-3A5C-81DA-EF7B-31EBEE355DC2}"/>
                 </a:ext>
               </a:extLst>
             </p:cNvPr>
@@ -5221,7 +5217,7 @@
             <p:cNvPr id="16" name="TextBox 15">
               <a:extLst>
                 <a:ext uri="{FF2B5EF4-FFF2-40B4-BE49-F238E27FC236}">
-                  <a16:creationId xmlns:a16="http://schemas.microsoft.com/office/drawing/2014/main" xmlns="" id="{EACC0321-CE08-0259-EA0F-C96CF7FCAFB9}"/>
+                  <a16:creationId xmlns="" xmlns:a16="http://schemas.microsoft.com/office/drawing/2014/main" id="{EACC0321-CE08-0259-EA0F-C96CF7FCAFB9}"/>
                 </a:ext>
               </a:extLst>
             </p:cNvPr>
@@ -5263,7 +5259,7 @@
           <p:cNvPr id="17" name="Group 16">
             <a:extLst>
               <a:ext uri="{FF2B5EF4-FFF2-40B4-BE49-F238E27FC236}">
-                <a16:creationId xmlns:a16="http://schemas.microsoft.com/office/drawing/2014/main" xmlns="" id="{EAE1D400-02BF-92FC-148F-D6C2AA989C96}"/>
+                <a16:creationId xmlns="" xmlns:a16="http://schemas.microsoft.com/office/drawing/2014/main" id="{EAE1D400-02BF-92FC-148F-D6C2AA989C96}"/>
               </a:ext>
             </a:extLst>
           </p:cNvPr>
@@ -5283,7 +5279,7 @@
             <p:cNvPr id="18" name="Oval 17">
               <a:extLst>
                 <a:ext uri="{FF2B5EF4-FFF2-40B4-BE49-F238E27FC236}">
-                  <a16:creationId xmlns:a16="http://schemas.microsoft.com/office/drawing/2014/main" xmlns="" id="{7EDF0CC6-8995-33DD-A11D-7987E9F1DD13}"/>
+                  <a16:creationId xmlns="" xmlns:a16="http://schemas.microsoft.com/office/drawing/2014/main" id="{7EDF0CC6-8995-33DD-A11D-7987E9F1DD13}"/>
                 </a:ext>
               </a:extLst>
             </p:cNvPr>
@@ -5339,7 +5335,7 @@
             <p:cNvPr id="19" name="TextBox 18">
               <a:extLst>
                 <a:ext uri="{FF2B5EF4-FFF2-40B4-BE49-F238E27FC236}">
-                  <a16:creationId xmlns:a16="http://schemas.microsoft.com/office/drawing/2014/main" xmlns="" id="{49A8D28C-8043-DF3B-2D61-AE5B95783978}"/>
+                  <a16:creationId xmlns="" xmlns:a16="http://schemas.microsoft.com/office/drawing/2014/main" id="{49A8D28C-8043-DF3B-2D61-AE5B95783978}"/>
                 </a:ext>
               </a:extLst>
             </p:cNvPr>
@@ -5381,7 +5377,7 @@
           <p:cNvPr id="20" name="Group 19">
             <a:extLst>
               <a:ext uri="{FF2B5EF4-FFF2-40B4-BE49-F238E27FC236}">
-                <a16:creationId xmlns:a16="http://schemas.microsoft.com/office/drawing/2014/main" xmlns="" id="{8163BFCE-C6FE-8567-E977-7B021F604780}"/>
+                <a16:creationId xmlns="" xmlns:a16="http://schemas.microsoft.com/office/drawing/2014/main" id="{8163BFCE-C6FE-8567-E977-7B021F604780}"/>
               </a:ext>
             </a:extLst>
           </p:cNvPr>
@@ -5401,7 +5397,7 @@
             <p:cNvPr id="21" name="Oval 20">
               <a:extLst>
                 <a:ext uri="{FF2B5EF4-FFF2-40B4-BE49-F238E27FC236}">
-                  <a16:creationId xmlns:a16="http://schemas.microsoft.com/office/drawing/2014/main" xmlns="" id="{6539936D-30D0-472B-6467-9D7B6A5DA43B}"/>
+                  <a16:creationId xmlns="" xmlns:a16="http://schemas.microsoft.com/office/drawing/2014/main" id="{6539936D-30D0-472B-6467-9D7B6A5DA43B}"/>
                 </a:ext>
               </a:extLst>
             </p:cNvPr>
@@ -5457,7 +5453,7 @@
             <p:cNvPr id="22" name="TextBox 21">
               <a:extLst>
                 <a:ext uri="{FF2B5EF4-FFF2-40B4-BE49-F238E27FC236}">
-                  <a16:creationId xmlns:a16="http://schemas.microsoft.com/office/drawing/2014/main" xmlns="" id="{DF3CD8DB-E259-5291-1B58-91716638EF36}"/>
+                  <a16:creationId xmlns="" xmlns:a16="http://schemas.microsoft.com/office/drawing/2014/main" id="{DF3CD8DB-E259-5291-1B58-91716638EF36}"/>
                 </a:ext>
               </a:extLst>
             </p:cNvPr>
@@ -5499,7 +5495,7 @@
           <p:cNvPr id="29" name="Group 28">
             <a:extLst>
               <a:ext uri="{FF2B5EF4-FFF2-40B4-BE49-F238E27FC236}">
-                <a16:creationId xmlns:a16="http://schemas.microsoft.com/office/drawing/2014/main" xmlns="" id="{EAE1D400-02BF-92FC-148F-D6C2AA989C96}"/>
+                <a16:creationId xmlns="" xmlns:a16="http://schemas.microsoft.com/office/drawing/2014/main" id="{EAE1D400-02BF-92FC-148F-D6C2AA989C96}"/>
               </a:ext>
             </a:extLst>
           </p:cNvPr>
@@ -5519,7 +5515,7 @@
             <p:cNvPr id="30" name="Oval 29">
               <a:extLst>
                 <a:ext uri="{FF2B5EF4-FFF2-40B4-BE49-F238E27FC236}">
-                  <a16:creationId xmlns:a16="http://schemas.microsoft.com/office/drawing/2014/main" xmlns="" id="{7EDF0CC6-8995-33DD-A11D-7987E9F1DD13}"/>
+                  <a16:creationId xmlns="" xmlns:a16="http://schemas.microsoft.com/office/drawing/2014/main" id="{7EDF0CC6-8995-33DD-A11D-7987E9F1DD13}"/>
                 </a:ext>
               </a:extLst>
             </p:cNvPr>
@@ -5575,7 +5571,7 @@
             <p:cNvPr id="31" name="TextBox 30">
               <a:extLst>
                 <a:ext uri="{FF2B5EF4-FFF2-40B4-BE49-F238E27FC236}">
-                  <a16:creationId xmlns:a16="http://schemas.microsoft.com/office/drawing/2014/main" xmlns="" id="{49A8D28C-8043-DF3B-2D61-AE5B95783978}"/>
+                  <a16:creationId xmlns="" xmlns:a16="http://schemas.microsoft.com/office/drawing/2014/main" id="{49A8D28C-8043-DF3B-2D61-AE5B95783978}"/>
                 </a:ext>
               </a:extLst>
             </p:cNvPr>
@@ -5623,7 +5619,7 @@
           <p:cNvPr id="26" name="Group 25">
             <a:extLst>
               <a:ext uri="{FF2B5EF4-FFF2-40B4-BE49-F238E27FC236}">
-                <a16:creationId xmlns:a16="http://schemas.microsoft.com/office/drawing/2014/main" xmlns="" id="{EAE1D400-02BF-92FC-148F-D6C2AA989C96}"/>
+                <a16:creationId xmlns="" xmlns:a16="http://schemas.microsoft.com/office/drawing/2014/main" id="{EAE1D400-02BF-92FC-148F-D6C2AA989C96}"/>
               </a:ext>
             </a:extLst>
           </p:cNvPr>
@@ -5643,7 +5639,7 @@
             <p:cNvPr id="27" name="Oval 26">
               <a:extLst>
                 <a:ext uri="{FF2B5EF4-FFF2-40B4-BE49-F238E27FC236}">
-                  <a16:creationId xmlns:a16="http://schemas.microsoft.com/office/drawing/2014/main" xmlns="" id="{7EDF0CC6-8995-33DD-A11D-7987E9F1DD13}"/>
+                  <a16:creationId xmlns="" xmlns:a16="http://schemas.microsoft.com/office/drawing/2014/main" id="{7EDF0CC6-8995-33DD-A11D-7987E9F1DD13}"/>
                 </a:ext>
               </a:extLst>
             </p:cNvPr>
@@ -5699,7 +5695,7 @@
             <p:cNvPr id="28" name="TextBox 27">
               <a:extLst>
                 <a:ext uri="{FF2B5EF4-FFF2-40B4-BE49-F238E27FC236}">
-                  <a16:creationId xmlns:a16="http://schemas.microsoft.com/office/drawing/2014/main" xmlns="" id="{49A8D28C-8043-DF3B-2D61-AE5B95783978}"/>
+                  <a16:creationId xmlns="" xmlns:a16="http://schemas.microsoft.com/office/drawing/2014/main" id="{49A8D28C-8043-DF3B-2D61-AE5B95783978}"/>
                 </a:ext>
               </a:extLst>
             </p:cNvPr>
@@ -5786,7 +5782,7 @@
           <p:cNvPr id="2" name="Title 1">
             <a:extLst>
               <a:ext uri="{FF2B5EF4-FFF2-40B4-BE49-F238E27FC236}">
-                <a16:creationId xmlns:a16="http://schemas.microsoft.com/office/drawing/2014/main" xmlns="" id="{A366E7AE-2907-6A4C-B350-63622C840038}"/>
+                <a16:creationId xmlns="" xmlns:a16="http://schemas.microsoft.com/office/drawing/2014/main" id="{A366E7AE-2907-6A4C-B350-63622C840038}"/>
               </a:ext>
             </a:extLst>
           </p:cNvPr>
@@ -5831,7 +5827,7 @@
           <p:cNvPr id="3" name="Content Placeholder 2">
             <a:extLst>
               <a:ext uri="{FF2B5EF4-FFF2-40B4-BE49-F238E27FC236}">
-                <a16:creationId xmlns:a16="http://schemas.microsoft.com/office/drawing/2014/main" xmlns="" id="{9678DAF0-EC40-E05F-BE2A-6BAA3BC34ABB}"/>
+                <a16:creationId xmlns="" xmlns:a16="http://schemas.microsoft.com/office/drawing/2014/main" id="{9678DAF0-EC40-E05F-BE2A-6BAA3BC34ABB}"/>
               </a:ext>
             </a:extLst>
           </p:cNvPr>
@@ -5901,7 +5897,7 @@
           <p:cNvPr id="10" name="TextBox 9">
             <a:extLst>
               <a:ext uri="{FF2B5EF4-FFF2-40B4-BE49-F238E27FC236}">
-                <a16:creationId xmlns:a16="http://schemas.microsoft.com/office/drawing/2014/main" xmlns="" id="{A0319DFB-F773-7122-A4DE-9C823B1A841B}"/>
+                <a16:creationId xmlns="" xmlns:a16="http://schemas.microsoft.com/office/drawing/2014/main" id="{A0319DFB-F773-7122-A4DE-9C823B1A841B}"/>
               </a:ext>
             </a:extLst>
           </p:cNvPr>
@@ -6011,10 +6007,206 @@
       </p:grpSpPr>
       <p:sp>
         <p:nvSpPr>
+          <p:cNvPr id="13" name="Rectangle 12"/>
+          <p:cNvSpPr/>
+          <p:nvPr/>
+        </p:nvSpPr>
+        <p:spPr>
+          <a:xfrm>
+            <a:off x="1127752" y="6211860"/>
+            <a:ext cx="1102492" cy="289932"/>
+          </a:xfrm>
+          <a:prstGeom prst="rect">
+            <a:avLst/>
+          </a:prstGeom>
+          <a:solidFill>
+            <a:schemeClr val="accent5">
+              <a:lumMod val="60000"/>
+              <a:lumOff val="40000"/>
+            </a:schemeClr>
+          </a:solidFill>
+          <a:ln>
+            <a:noFill/>
+          </a:ln>
+        </p:spPr>
+        <p:style>
+          <a:lnRef idx="2">
+            <a:schemeClr val="accent1">
+              <a:shade val="50000"/>
+            </a:schemeClr>
+          </a:lnRef>
+          <a:fillRef idx="1">
+            <a:schemeClr val="accent1"/>
+          </a:fillRef>
+          <a:effectRef idx="0">
+            <a:schemeClr val="accent1"/>
+          </a:effectRef>
+          <a:fontRef idx="minor">
+            <a:schemeClr val="lt1"/>
+          </a:fontRef>
+        </p:style>
+        <p:txBody>
+          <a:bodyPr rtlCol="0" anchor="ctr"/>
+          <a:lstStyle/>
+          <a:p>
+            <a:pPr algn="ctr"/>
+            <a:endParaRPr lang="en-US"/>
+          </a:p>
+        </p:txBody>
+      </p:sp>
+      <p:sp>
+        <p:nvSpPr>
+          <p:cNvPr id="11" name="Rectangle 10"/>
+          <p:cNvSpPr/>
+          <p:nvPr/>
+        </p:nvSpPr>
+        <p:spPr>
+          <a:xfrm>
+            <a:off x="1127752" y="5425738"/>
+            <a:ext cx="740821" cy="289932"/>
+          </a:xfrm>
+          <a:prstGeom prst="rect">
+            <a:avLst/>
+          </a:prstGeom>
+          <a:solidFill>
+            <a:schemeClr val="accent5">
+              <a:lumMod val="60000"/>
+              <a:lumOff val="40000"/>
+            </a:schemeClr>
+          </a:solidFill>
+          <a:ln>
+            <a:noFill/>
+          </a:ln>
+        </p:spPr>
+        <p:style>
+          <a:lnRef idx="2">
+            <a:schemeClr val="accent1">
+              <a:shade val="50000"/>
+            </a:schemeClr>
+          </a:lnRef>
+          <a:fillRef idx="1">
+            <a:schemeClr val="accent1"/>
+          </a:fillRef>
+          <a:effectRef idx="0">
+            <a:schemeClr val="accent1"/>
+          </a:effectRef>
+          <a:fontRef idx="minor">
+            <a:schemeClr val="lt1"/>
+          </a:fontRef>
+        </p:style>
+        <p:txBody>
+          <a:bodyPr rtlCol="0" anchor="ctr"/>
+          <a:lstStyle/>
+          <a:p>
+            <a:pPr algn="ctr"/>
+            <a:endParaRPr lang="en-US"/>
+          </a:p>
+        </p:txBody>
+      </p:sp>
+      <p:sp>
+        <p:nvSpPr>
+          <p:cNvPr id="12" name="Rectangle 11"/>
+          <p:cNvSpPr/>
+          <p:nvPr/>
+        </p:nvSpPr>
+        <p:spPr>
+          <a:xfrm>
+            <a:off x="1127752" y="2680119"/>
+            <a:ext cx="647615" cy="289932"/>
+          </a:xfrm>
+          <a:prstGeom prst="rect">
+            <a:avLst/>
+          </a:prstGeom>
+          <a:solidFill>
+            <a:schemeClr val="accent5">
+              <a:lumMod val="60000"/>
+              <a:lumOff val="40000"/>
+            </a:schemeClr>
+          </a:solidFill>
+          <a:ln>
+            <a:noFill/>
+          </a:ln>
+        </p:spPr>
+        <p:style>
+          <a:lnRef idx="2">
+            <a:schemeClr val="accent1">
+              <a:shade val="50000"/>
+            </a:schemeClr>
+          </a:lnRef>
+          <a:fillRef idx="1">
+            <a:schemeClr val="accent1"/>
+          </a:fillRef>
+          <a:effectRef idx="0">
+            <a:schemeClr val="accent1"/>
+          </a:effectRef>
+          <a:fontRef idx="minor">
+            <a:schemeClr val="lt1"/>
+          </a:fontRef>
+        </p:style>
+        <p:txBody>
+          <a:bodyPr rtlCol="0" anchor="ctr"/>
+          <a:lstStyle/>
+          <a:p>
+            <a:pPr algn="ctr"/>
+            <a:endParaRPr lang="en-US"/>
+          </a:p>
+        </p:txBody>
+      </p:sp>
+      <p:sp>
+        <p:nvSpPr>
+          <p:cNvPr id="7" name="Rectangle 6"/>
+          <p:cNvSpPr/>
+          <p:nvPr/>
+        </p:nvSpPr>
+        <p:spPr>
+          <a:xfrm>
+            <a:off x="1170034" y="4639616"/>
+            <a:ext cx="647615" cy="289932"/>
+          </a:xfrm>
+          <a:prstGeom prst="rect">
+            <a:avLst/>
+          </a:prstGeom>
+          <a:solidFill>
+            <a:schemeClr val="accent5">
+              <a:lumMod val="60000"/>
+              <a:lumOff val="40000"/>
+            </a:schemeClr>
+          </a:solidFill>
+          <a:ln>
+            <a:noFill/>
+          </a:ln>
+        </p:spPr>
+        <p:style>
+          <a:lnRef idx="2">
+            <a:schemeClr val="accent1">
+              <a:shade val="50000"/>
+            </a:schemeClr>
+          </a:lnRef>
+          <a:fillRef idx="1">
+            <a:schemeClr val="accent1"/>
+          </a:fillRef>
+          <a:effectRef idx="0">
+            <a:schemeClr val="accent1"/>
+          </a:effectRef>
+          <a:fontRef idx="minor">
+            <a:schemeClr val="lt1"/>
+          </a:fontRef>
+        </p:style>
+        <p:txBody>
+          <a:bodyPr rtlCol="0" anchor="ctr"/>
+          <a:lstStyle/>
+          <a:p>
+            <a:pPr algn="ctr"/>
+            <a:endParaRPr lang="en-US"/>
+          </a:p>
+        </p:txBody>
+      </p:sp>
+      <p:sp>
+        <p:nvSpPr>
           <p:cNvPr id="2" name="Title 1">
             <a:extLst>
               <a:ext uri="{FF2B5EF4-FFF2-40B4-BE49-F238E27FC236}">
-                <a16:creationId xmlns:a16="http://schemas.microsoft.com/office/drawing/2014/main" xmlns="" id="{A366E7AE-2907-6A4C-B350-63622C840038}"/>
+                <a16:creationId xmlns="" xmlns:a16="http://schemas.microsoft.com/office/drawing/2014/main" id="{A366E7AE-2907-6A4C-B350-63622C840038}"/>
               </a:ext>
             </a:extLst>
           </p:cNvPr>
@@ -6027,7 +6219,7 @@
         </p:nvSpPr>
         <p:spPr>
           <a:xfrm>
-            <a:off x="432023" y="655166"/>
+            <a:off x="432023" y="380929"/>
             <a:ext cx="6575854" cy="1325563"/>
           </a:xfrm>
         </p:spPr>
@@ -6059,7 +6251,7 @@
           <p:cNvPr id="3" name="Content Placeholder 2">
             <a:extLst>
               <a:ext uri="{FF2B5EF4-FFF2-40B4-BE49-F238E27FC236}">
-                <a16:creationId xmlns:a16="http://schemas.microsoft.com/office/drawing/2014/main" xmlns="" id="{9678DAF0-EC40-E05F-BE2A-6BAA3BC34ABB}"/>
+                <a16:creationId xmlns="" xmlns:a16="http://schemas.microsoft.com/office/drawing/2014/main" id="{9678DAF0-EC40-E05F-BE2A-6BAA3BC34ABB}"/>
               </a:ext>
             </a:extLst>
           </p:cNvPr>
@@ -6072,8 +6264,8 @@
         </p:nvSpPr>
         <p:spPr>
           <a:xfrm>
-            <a:off x="1304693" y="2029878"/>
-            <a:ext cx="5898995" cy="757927"/>
+            <a:off x="432023" y="1969927"/>
+            <a:ext cx="10956497" cy="757927"/>
           </a:xfrm>
         </p:spPr>
         <p:txBody>
@@ -6087,6 +6279,72 @@
                 <a:spcPct val="120000"/>
               </a:lnSpc>
             </a:pPr>
+            <a:endParaRPr lang="en-US" sz="2400" b="1" dirty="0" smtClean="0">
+              <a:latin typeface="Hind Siliguri" panose="02000000000000000000" pitchFamily="2" charset="77"/>
+              <a:cs typeface="Hind Siliguri" panose="02000000000000000000" pitchFamily="2" charset="77"/>
+            </a:endParaRPr>
+          </a:p>
+          <a:p>
+            <a:pPr>
+              <a:lnSpc>
+                <a:spcPct val="120000"/>
+              </a:lnSpc>
+            </a:pPr>
+            <a:endParaRPr lang="en-US" sz="2400" b="1" dirty="0">
+              <a:latin typeface="Hind Siliguri" panose="02000000000000000000" pitchFamily="2" charset="77"/>
+              <a:cs typeface="Hind Siliguri" panose="02000000000000000000" pitchFamily="2" charset="77"/>
+            </a:endParaRPr>
+          </a:p>
+          <a:p>
+            <a:pPr>
+              <a:lnSpc>
+                <a:spcPct val="120000"/>
+              </a:lnSpc>
+            </a:pPr>
+            <a:endParaRPr lang="en-US" sz="2400" b="1" dirty="0" smtClean="0">
+              <a:latin typeface="Hind Siliguri" panose="02000000000000000000" pitchFamily="2" charset="77"/>
+              <a:cs typeface="Hind Siliguri" panose="02000000000000000000" pitchFamily="2" charset="77"/>
+            </a:endParaRPr>
+          </a:p>
+          <a:p>
+            <a:pPr>
+              <a:lnSpc>
+                <a:spcPct val="120000"/>
+              </a:lnSpc>
+            </a:pPr>
+            <a:endParaRPr lang="en-US" sz="2400" b="1" dirty="0">
+              <a:latin typeface="Hind Siliguri" panose="02000000000000000000" pitchFamily="2" charset="77"/>
+              <a:cs typeface="Hind Siliguri" panose="02000000000000000000" pitchFamily="2" charset="77"/>
+            </a:endParaRPr>
+          </a:p>
+          <a:p>
+            <a:pPr>
+              <a:lnSpc>
+                <a:spcPct val="120000"/>
+              </a:lnSpc>
+            </a:pPr>
+            <a:endParaRPr lang="en-US" sz="2400" b="1" dirty="0" smtClean="0">
+              <a:latin typeface="Hind Siliguri" panose="02000000000000000000" pitchFamily="2" charset="77"/>
+              <a:cs typeface="Hind Siliguri" panose="02000000000000000000" pitchFamily="2" charset="77"/>
+            </a:endParaRPr>
+          </a:p>
+          <a:p>
+            <a:pPr>
+              <a:lnSpc>
+                <a:spcPct val="120000"/>
+              </a:lnSpc>
+            </a:pPr>
+            <a:endParaRPr lang="en-US" sz="2400" b="1" dirty="0">
+              <a:latin typeface="Hind Siliguri" panose="02000000000000000000" pitchFamily="2" charset="77"/>
+              <a:cs typeface="Hind Siliguri" panose="02000000000000000000" pitchFamily="2" charset="77"/>
+            </a:endParaRPr>
+          </a:p>
+          <a:p>
+            <a:pPr>
+              <a:lnSpc>
+                <a:spcPct val="120000"/>
+              </a:lnSpc>
+            </a:pPr>
             <a:r>
               <a:rPr lang="en-US" sz="2400" b="1" dirty="0" smtClean="0">
                 <a:latin typeface="Hind Siliguri" panose="02000000000000000000" pitchFamily="2" charset="77"/>
@@ -6099,14 +6357,7 @@
                 <a:latin typeface="Hind Siliguri" panose="02000000000000000000" pitchFamily="2" charset="77"/>
                 <a:cs typeface="Hind Siliguri" panose="02000000000000000000" pitchFamily="2" charset="77"/>
               </a:rPr>
-              <a:t>: King County </a:t>
-            </a:r>
-            <a:r>
-              <a:rPr lang="en-US" sz="2400" dirty="0" smtClean="0">
-                <a:latin typeface="Hind Siliguri" panose="02000000000000000000" pitchFamily="2" charset="77"/>
-                <a:cs typeface="Hind Siliguri" panose="02000000000000000000" pitchFamily="2" charset="77"/>
-              </a:rPr>
-              <a:t>Realtors</a:t>
+              <a:t>: King County Realtors</a:t>
             </a:r>
           </a:p>
           <a:p>
@@ -6120,13 +6371,342 @@
                 <a:latin typeface="Hind Siliguri" panose="02000000000000000000" pitchFamily="2" charset="77"/>
                 <a:cs typeface="Hind Siliguri" panose="02000000000000000000" pitchFamily="2" charset="77"/>
               </a:rPr>
-              <a:t>2014-2015 King County Housing Dataset</a:t>
-            </a:r>
-            <a:endParaRPr lang="en-US" sz="2400" b="1" dirty="0" smtClean="0">
+              <a:t>2014-2015 </a:t>
+            </a:r>
+            <a:r>
+              <a:rPr lang="en-US" sz="2400" b="1" dirty="0" smtClean="0">
+                <a:latin typeface="Hind Siliguri" panose="02000000000000000000" pitchFamily="2" charset="77"/>
+                <a:cs typeface="Hind Siliguri" panose="02000000000000000000" pitchFamily="2" charset="77"/>
+              </a:rPr>
+              <a:t>King County Housing </a:t>
+            </a:r>
+            <a:r>
+              <a:rPr lang="en-US" sz="2400" b="1" dirty="0" smtClean="0">
+                <a:latin typeface="Hind Siliguri" panose="02000000000000000000" pitchFamily="2" charset="77"/>
+                <a:cs typeface="Hind Siliguri" panose="02000000000000000000" pitchFamily="2" charset="77"/>
+              </a:rPr>
+              <a:t>Dataset</a:t>
+            </a:r>
+          </a:p>
+          <a:p>
+            <a:pPr lvl="1">
+              <a:lnSpc>
+                <a:spcPct val="120000"/>
+              </a:lnSpc>
+            </a:pPr>
+            <a:r>
+              <a:rPr lang="en-US" sz="1800" b="1" dirty="0">
+                <a:solidFill>
+                  <a:sysClr val="windowText" lastClr="000000"/>
+                </a:solidFill>
+                <a:latin typeface="Hind Siliguri" panose="02000000000000000000" pitchFamily="2" charset="77"/>
+                <a:cs typeface="Hind Siliguri" panose="02000000000000000000" pitchFamily="2" charset="77"/>
+              </a:rPr>
+              <a:t>p</a:t>
+            </a:r>
+            <a:r>
+              <a:rPr lang="en-US" sz="1800" b="1" dirty="0" smtClean="0">
+                <a:solidFill>
+                  <a:sysClr val="windowText" lastClr="000000"/>
+                </a:solidFill>
+                <a:latin typeface="Hind Siliguri" panose="02000000000000000000" pitchFamily="2" charset="77"/>
+                <a:cs typeface="Hind Siliguri" panose="02000000000000000000" pitchFamily="2" charset="77"/>
+              </a:rPr>
+              <a:t>rice</a:t>
+            </a:r>
+            <a:r>
+              <a:rPr lang="en-US" sz="1800" b="1" dirty="0" smtClean="0">
+                <a:latin typeface="Hind Siliguri" panose="02000000000000000000" pitchFamily="2" charset="77"/>
+                <a:cs typeface="Hind Siliguri" panose="02000000000000000000" pitchFamily="2" charset="77"/>
+              </a:rPr>
+              <a:t> </a:t>
+            </a:r>
+            <a:r>
+              <a:rPr lang="en-US" sz="1800" dirty="0">
+                <a:latin typeface="Hind Siliguri" panose="02000000000000000000" pitchFamily="2" charset="77"/>
+                <a:cs typeface="Hind Siliguri" panose="02000000000000000000" pitchFamily="2" charset="77"/>
+              </a:rPr>
+              <a:t>–</a:t>
+            </a:r>
+            <a:r>
+              <a:rPr lang="en-US" sz="1800" b="1" dirty="0" smtClean="0">
+                <a:latin typeface="Hind Siliguri" panose="02000000000000000000" pitchFamily="2" charset="77"/>
+                <a:cs typeface="Hind Siliguri" panose="02000000000000000000" pitchFamily="2" charset="77"/>
+              </a:rPr>
+              <a:t> </a:t>
+            </a:r>
+            <a:r>
+              <a:rPr lang="en-US" sz="1800" dirty="0" smtClean="0">
+                <a:latin typeface="Hind Siliguri" panose="02000000000000000000" pitchFamily="2" charset="77"/>
+                <a:cs typeface="Hind Siliguri" panose="02000000000000000000" pitchFamily="2" charset="77"/>
+              </a:rPr>
+              <a:t>sales price</a:t>
+            </a:r>
+            <a:endParaRPr lang="en-US" sz="1800" b="1" dirty="0" smtClean="0">
               <a:latin typeface="Hind Siliguri" panose="02000000000000000000" pitchFamily="2" charset="77"/>
               <a:cs typeface="Hind Siliguri" panose="02000000000000000000" pitchFamily="2" charset="77"/>
             </a:endParaRPr>
           </a:p>
+          <a:p>
+            <a:pPr lvl="1">
+              <a:lnSpc>
+                <a:spcPct val="120000"/>
+              </a:lnSpc>
+            </a:pPr>
+            <a:r>
+              <a:rPr lang="en-US" sz="1800" b="1" dirty="0" smtClean="0">
+                <a:latin typeface="Hind Siliguri" panose="02000000000000000000" pitchFamily="2" charset="77"/>
+                <a:cs typeface="Hind Siliguri" panose="02000000000000000000" pitchFamily="2" charset="77"/>
+              </a:rPr>
+              <a:t>bedrooms </a:t>
+            </a:r>
+            <a:r>
+              <a:rPr lang="en-US" sz="1800" dirty="0">
+                <a:latin typeface="Hind Siliguri" panose="02000000000000000000" pitchFamily="2" charset="77"/>
+                <a:cs typeface="Hind Siliguri" panose="02000000000000000000" pitchFamily="2" charset="77"/>
+              </a:rPr>
+              <a:t>–</a:t>
+            </a:r>
+            <a:r>
+              <a:rPr lang="en-US" sz="1800" b="1" dirty="0" smtClean="0">
+                <a:latin typeface="Hind Siliguri" panose="02000000000000000000" pitchFamily="2" charset="77"/>
+                <a:cs typeface="Hind Siliguri" panose="02000000000000000000" pitchFamily="2" charset="77"/>
+              </a:rPr>
+              <a:t> </a:t>
+            </a:r>
+            <a:r>
+              <a:rPr lang="en-US" sz="1800" dirty="0" smtClean="0">
+                <a:latin typeface="Hind Siliguri" panose="02000000000000000000" pitchFamily="2" charset="77"/>
+                <a:cs typeface="Hind Siliguri" panose="02000000000000000000" pitchFamily="2" charset="77"/>
+              </a:rPr>
+              <a:t>number of bedrooms</a:t>
+            </a:r>
+            <a:endParaRPr lang="en-US" sz="1800" b="1" dirty="0" smtClean="0">
+              <a:latin typeface="Hind Siliguri" panose="02000000000000000000" pitchFamily="2" charset="77"/>
+              <a:cs typeface="Hind Siliguri" panose="02000000000000000000" pitchFamily="2" charset="77"/>
+            </a:endParaRPr>
+          </a:p>
+          <a:p>
+            <a:pPr lvl="1">
+              <a:lnSpc>
+                <a:spcPct val="120000"/>
+              </a:lnSpc>
+            </a:pPr>
+            <a:r>
+              <a:rPr lang="en-US" sz="1800" b="1" dirty="0" smtClean="0">
+                <a:latin typeface="Hind Siliguri" panose="02000000000000000000" pitchFamily="2" charset="77"/>
+                <a:cs typeface="Hind Siliguri" panose="02000000000000000000" pitchFamily="2" charset="77"/>
+              </a:rPr>
+              <a:t>bathrooms </a:t>
+            </a:r>
+            <a:r>
+              <a:rPr lang="en-US" sz="1800" dirty="0" smtClean="0">
+                <a:latin typeface="Hind Siliguri" panose="02000000000000000000" pitchFamily="2" charset="77"/>
+                <a:cs typeface="Hind Siliguri" panose="02000000000000000000" pitchFamily="2" charset="77"/>
+              </a:rPr>
+              <a:t>– number of bathrooms</a:t>
+            </a:r>
+            <a:endParaRPr lang="en-US" sz="1800" b="1" dirty="0" smtClean="0">
+              <a:latin typeface="Hind Siliguri" panose="02000000000000000000" pitchFamily="2" charset="77"/>
+              <a:cs typeface="Hind Siliguri" panose="02000000000000000000" pitchFamily="2" charset="77"/>
+            </a:endParaRPr>
+          </a:p>
+          <a:p>
+            <a:pPr lvl="1">
+              <a:lnSpc>
+                <a:spcPct val="120000"/>
+              </a:lnSpc>
+            </a:pPr>
+            <a:r>
+              <a:rPr lang="en-US" sz="1800" b="1" dirty="0" err="1" smtClean="0">
+                <a:latin typeface="Hind Siliguri" panose="02000000000000000000" pitchFamily="2" charset="77"/>
+                <a:cs typeface="Hind Siliguri" panose="02000000000000000000" pitchFamily="2" charset="77"/>
+              </a:rPr>
+              <a:t>sqft_living</a:t>
+            </a:r>
+            <a:r>
+              <a:rPr lang="en-US" sz="1800" dirty="0" smtClean="0">
+                <a:latin typeface="Hind Siliguri" panose="02000000000000000000" pitchFamily="2" charset="77"/>
+                <a:cs typeface="Hind Siliguri" panose="02000000000000000000" pitchFamily="2" charset="77"/>
+              </a:rPr>
+              <a:t> – square footage of living space in the house</a:t>
+            </a:r>
+            <a:endParaRPr lang="en-US" sz="1800" b="1" dirty="0" smtClean="0">
+              <a:latin typeface="Hind Siliguri" panose="02000000000000000000" pitchFamily="2" charset="77"/>
+              <a:cs typeface="Hind Siliguri" panose="02000000000000000000" pitchFamily="2" charset="77"/>
+            </a:endParaRPr>
+          </a:p>
+          <a:p>
+            <a:pPr lvl="1">
+              <a:lnSpc>
+                <a:spcPct val="120000"/>
+              </a:lnSpc>
+            </a:pPr>
+            <a:r>
+              <a:rPr lang="en-US" sz="1800" b="1" dirty="0" err="1">
+                <a:latin typeface="Hind Siliguri" panose="02000000000000000000" pitchFamily="2" charset="77"/>
+                <a:cs typeface="Hind Siliguri" panose="02000000000000000000" pitchFamily="2" charset="77"/>
+              </a:rPr>
+              <a:t>s</a:t>
+            </a:r>
+            <a:r>
+              <a:rPr lang="en-US" sz="1800" b="1" dirty="0" err="1" smtClean="0">
+                <a:latin typeface="Hind Siliguri" panose="02000000000000000000" pitchFamily="2" charset="77"/>
+                <a:cs typeface="Hind Siliguri" panose="02000000000000000000" pitchFamily="2" charset="77"/>
+              </a:rPr>
+              <a:t>qft_lot</a:t>
+            </a:r>
+            <a:r>
+              <a:rPr lang="en-US" sz="1800" b="1" dirty="0" smtClean="0">
+                <a:latin typeface="Hind Siliguri" panose="02000000000000000000" pitchFamily="2" charset="77"/>
+                <a:cs typeface="Hind Siliguri" panose="02000000000000000000" pitchFamily="2" charset="77"/>
+              </a:rPr>
+              <a:t> </a:t>
+            </a:r>
+            <a:r>
+              <a:rPr lang="en-US" sz="1800" dirty="0" smtClean="0">
+                <a:latin typeface="Hind Siliguri" panose="02000000000000000000" pitchFamily="2" charset="77"/>
+                <a:cs typeface="Hind Siliguri" panose="02000000000000000000" pitchFamily="2" charset="77"/>
+              </a:rPr>
+              <a:t>– square footage of the lot</a:t>
+            </a:r>
+            <a:endParaRPr lang="en-US" sz="1800" b="1" dirty="0" smtClean="0">
+              <a:latin typeface="Hind Siliguri" panose="02000000000000000000" pitchFamily="2" charset="77"/>
+              <a:cs typeface="Hind Siliguri" panose="02000000000000000000" pitchFamily="2" charset="77"/>
+            </a:endParaRPr>
+          </a:p>
+          <a:p>
+            <a:pPr lvl="1">
+              <a:lnSpc>
+                <a:spcPct val="120000"/>
+              </a:lnSpc>
+            </a:pPr>
+            <a:r>
+              <a:rPr lang="en-US" sz="1800" b="1" dirty="0" smtClean="0">
+                <a:latin typeface="Hind Siliguri" panose="02000000000000000000" pitchFamily="2" charset="77"/>
+                <a:cs typeface="Hind Siliguri" panose="02000000000000000000" pitchFamily="2" charset="77"/>
+              </a:rPr>
+              <a:t>floors</a:t>
+            </a:r>
+            <a:r>
+              <a:rPr lang="en-US" sz="1800" dirty="0" smtClean="0">
+                <a:latin typeface="Hind Siliguri" panose="02000000000000000000" pitchFamily="2" charset="77"/>
+                <a:cs typeface="Hind Siliguri" panose="02000000000000000000" pitchFamily="2" charset="77"/>
+              </a:rPr>
+              <a:t> – number of floors (levels) in house</a:t>
+            </a:r>
+            <a:endParaRPr lang="en-US" sz="1800" b="1" dirty="0" smtClean="0">
+              <a:latin typeface="Hind Siliguri" panose="02000000000000000000" pitchFamily="2" charset="77"/>
+              <a:cs typeface="Hind Siliguri" panose="02000000000000000000" pitchFamily="2" charset="77"/>
+            </a:endParaRPr>
+          </a:p>
+          <a:p>
+            <a:pPr lvl="1">
+              <a:lnSpc>
+                <a:spcPct val="120000"/>
+              </a:lnSpc>
+            </a:pPr>
+            <a:r>
+              <a:rPr lang="en-US" sz="1800" b="1" dirty="0" smtClean="0">
+                <a:latin typeface="Hind Siliguri" panose="02000000000000000000" pitchFamily="2" charset="77"/>
+                <a:cs typeface="Hind Siliguri" panose="02000000000000000000" pitchFamily="2" charset="77"/>
+              </a:rPr>
+              <a:t>waterfront</a:t>
+            </a:r>
+            <a:r>
+              <a:rPr lang="en-US" sz="1800" dirty="0" smtClean="0">
+                <a:latin typeface="Hind Siliguri" panose="02000000000000000000" pitchFamily="2" charset="77"/>
+                <a:cs typeface="Hind Siliguri" panose="02000000000000000000" pitchFamily="2" charset="77"/>
+              </a:rPr>
+              <a:t> – whether the house is on a waterfront</a:t>
+            </a:r>
+            <a:endParaRPr lang="en-US" sz="1800" b="1" dirty="0" smtClean="0">
+              <a:latin typeface="Hind Siliguri" panose="02000000000000000000" pitchFamily="2" charset="77"/>
+              <a:cs typeface="Hind Siliguri" panose="02000000000000000000" pitchFamily="2" charset="77"/>
+            </a:endParaRPr>
+          </a:p>
+          <a:p>
+            <a:pPr lvl="1">
+              <a:lnSpc>
+                <a:spcPct val="120000"/>
+              </a:lnSpc>
+            </a:pPr>
+            <a:r>
+              <a:rPr lang="en-US" sz="1800" b="1" dirty="0" smtClean="0">
+                <a:latin typeface="Hind Siliguri" panose="02000000000000000000" pitchFamily="2" charset="77"/>
+                <a:cs typeface="Hind Siliguri" panose="02000000000000000000" pitchFamily="2" charset="77"/>
+              </a:rPr>
+              <a:t>grade</a:t>
+            </a:r>
+            <a:r>
+              <a:rPr lang="en-US" sz="1800" dirty="0" smtClean="0">
+                <a:latin typeface="Hind Siliguri" panose="02000000000000000000" pitchFamily="2" charset="77"/>
+                <a:cs typeface="Hind Siliguri" panose="02000000000000000000" pitchFamily="2" charset="77"/>
+              </a:rPr>
+              <a:t> – overall grade of the house. Related to the construction and design of the house</a:t>
+            </a:r>
+            <a:endParaRPr lang="en-US" sz="1800" b="1" dirty="0" smtClean="0">
+              <a:latin typeface="Hind Siliguri" panose="02000000000000000000" pitchFamily="2" charset="77"/>
+              <a:cs typeface="Hind Siliguri" panose="02000000000000000000" pitchFamily="2" charset="77"/>
+            </a:endParaRPr>
+          </a:p>
+          <a:p>
+            <a:pPr lvl="1">
+              <a:lnSpc>
+                <a:spcPct val="120000"/>
+              </a:lnSpc>
+            </a:pPr>
+            <a:r>
+              <a:rPr lang="en-US" sz="1800" b="1" dirty="0" err="1" smtClean="0">
+                <a:latin typeface="Hind Siliguri" panose="02000000000000000000" pitchFamily="2" charset="77"/>
+                <a:cs typeface="Hind Siliguri" panose="02000000000000000000" pitchFamily="2" charset="77"/>
+              </a:rPr>
+              <a:t>y</a:t>
+            </a:r>
+            <a:r>
+              <a:rPr lang="en-US" sz="1800" b="1" dirty="0" err="1" smtClean="0">
+                <a:latin typeface="Hind Siliguri" panose="02000000000000000000" pitchFamily="2" charset="77"/>
+                <a:cs typeface="Hind Siliguri" panose="02000000000000000000" pitchFamily="2" charset="77"/>
+              </a:rPr>
+              <a:t>r_built</a:t>
+            </a:r>
+            <a:r>
+              <a:rPr lang="en-US" sz="1800" dirty="0" smtClean="0">
+                <a:latin typeface="Hind Siliguri" panose="02000000000000000000" pitchFamily="2" charset="77"/>
+                <a:cs typeface="Hind Siliguri" panose="02000000000000000000" pitchFamily="2" charset="77"/>
+              </a:rPr>
+              <a:t> – year when the house was built</a:t>
+            </a:r>
+            <a:endParaRPr lang="en-US" sz="1800" b="1" dirty="0" smtClean="0">
+              <a:latin typeface="Hind Siliguri" panose="02000000000000000000" pitchFamily="2" charset="77"/>
+              <a:cs typeface="Hind Siliguri" panose="02000000000000000000" pitchFamily="2" charset="77"/>
+            </a:endParaRPr>
+          </a:p>
+          <a:p>
+            <a:pPr lvl="1">
+              <a:lnSpc>
+                <a:spcPct val="120000"/>
+              </a:lnSpc>
+            </a:pPr>
+            <a:r>
+              <a:rPr lang="en-US" sz="1800" b="1" dirty="0" smtClean="0">
+                <a:latin typeface="Hind Siliguri" panose="02000000000000000000" pitchFamily="2" charset="77"/>
+                <a:cs typeface="Hind Siliguri" panose="02000000000000000000" pitchFamily="2" charset="77"/>
+              </a:rPr>
+              <a:t>condition </a:t>
+            </a:r>
+            <a:r>
+              <a:rPr lang="en-US" sz="1800" dirty="0" smtClean="0">
+                <a:latin typeface="Hind Siliguri" panose="02000000000000000000" pitchFamily="2" charset="77"/>
+                <a:cs typeface="Hind Siliguri" panose="02000000000000000000" pitchFamily="2" charset="77"/>
+              </a:rPr>
+              <a:t>– how good the overall condition of the house is. Related to maintenance of the house</a:t>
+            </a:r>
+            <a:endParaRPr lang="en-US" sz="1800" b="1" dirty="0" smtClean="0">
+              <a:latin typeface="Hind Siliguri" panose="02000000000000000000" pitchFamily="2" charset="77"/>
+              <a:cs typeface="Hind Siliguri" panose="02000000000000000000" pitchFamily="2" charset="77"/>
+            </a:endParaRPr>
+          </a:p>
         </p:txBody>
       </p:sp>
       <p:sp>
@@ -6134,7 +6714,7 @@
           <p:cNvPr id="10" name="TextBox 9">
             <a:extLst>
               <a:ext uri="{FF2B5EF4-FFF2-40B4-BE49-F238E27FC236}">
-                <a16:creationId xmlns:a16="http://schemas.microsoft.com/office/drawing/2014/main" xmlns="" id="{A0319DFB-F773-7122-A4DE-9C823B1A841B}"/>
+                <a16:creationId xmlns="" xmlns:a16="http://schemas.microsoft.com/office/drawing/2014/main" id="{A0319DFB-F773-7122-A4DE-9C823B1A841B}"/>
               </a:ext>
             </a:extLst>
           </p:cNvPr>
@@ -6167,36 +6747,32 @@
           </a:p>
         </p:txBody>
       </p:sp>
-      <p:pic>
-        <p:nvPicPr>
-          <p:cNvPr id="4" name="Picture 3"/>
-          <p:cNvPicPr>
-            <a:picLocks noChangeAspect="1"/>
-          </p:cNvPicPr>
+      <p:sp>
+        <p:nvSpPr>
+          <p:cNvPr id="5" name="TextBox 4"/>
+          <p:cNvSpPr txBox="1"/>
           <p:nvPr/>
-        </p:nvPicPr>
-        <p:blipFill>
-          <a:blip r:embed="rId2">
-            <a:extLst>
-              <a:ext uri="{28A0092B-C50C-407E-A947-70E740481C1C}">
-                <a14:useLocalDpi xmlns:a14="http://schemas.microsoft.com/office/drawing/2010/main" val="0"/>
-              </a:ext>
-            </a:extLst>
-          </a:blip>
-          <a:stretch>
-            <a:fillRect/>
-          </a:stretch>
-        </p:blipFill>
+        </p:nvSpPr>
         <p:spPr>
           <a:xfrm>
-            <a:off x="1377176" y="3094775"/>
-            <a:ext cx="8712200" cy="2921000"/>
+            <a:off x="1839951" y="3434576"/>
+            <a:ext cx="184731" cy="369332"/>
           </a:xfrm>
           <a:prstGeom prst="rect">
             <a:avLst/>
           </a:prstGeom>
+          <a:noFill/>
         </p:spPr>
-      </p:pic>
+        <p:txBody>
+          <a:bodyPr wrap="none" rtlCol="0">
+            <a:spAutoFit/>
+          </a:bodyPr>
+          <a:lstStyle/>
+          <a:p>
+            <a:endParaRPr lang="en-US" dirty="0"/>
+          </a:p>
+        </p:txBody>
+      </p:sp>
     </p:spTree>
     <p:extLst>
       <p:ext uri="{BB962C8B-B14F-4D97-AF65-F5344CB8AC3E}">
@@ -6247,7 +6823,7 @@
           <p:cNvPr id="5" name="Title 1">
             <a:extLst>
               <a:ext uri="{FF2B5EF4-FFF2-40B4-BE49-F238E27FC236}">
-                <a16:creationId xmlns:a16="http://schemas.microsoft.com/office/drawing/2014/main" xmlns="" id="{BCCDB550-8CD5-D5B9-7B45-C4AFCEE7A368}"/>
+                <a16:creationId xmlns="" xmlns:a16="http://schemas.microsoft.com/office/drawing/2014/main" id="{BCCDB550-8CD5-D5B9-7B45-C4AFCEE7A368}"/>
               </a:ext>
             </a:extLst>
           </p:cNvPr>
@@ -6454,7 +7030,7 @@
           <p:cNvPr id="5" name="Title 1">
             <a:extLst>
               <a:ext uri="{FF2B5EF4-FFF2-40B4-BE49-F238E27FC236}">
-                <a16:creationId xmlns:a16="http://schemas.microsoft.com/office/drawing/2014/main" xmlns="" id="{BCCDB550-8CD5-D5B9-7B45-C4AFCEE7A368}"/>
+                <a16:creationId xmlns="" xmlns:a16="http://schemas.microsoft.com/office/drawing/2014/main" id="{BCCDB550-8CD5-D5B9-7B45-C4AFCEE7A368}"/>
               </a:ext>
             </a:extLst>
           </p:cNvPr>
@@ -7361,7 +7937,7 @@
           <p:cNvPr id="2" name="Title 1">
             <a:extLst>
               <a:ext uri="{FF2B5EF4-FFF2-40B4-BE49-F238E27FC236}">
-                <a16:creationId xmlns:a16="http://schemas.microsoft.com/office/drawing/2014/main" xmlns="" id="{A366E7AE-2907-6A4C-B350-63622C840038}"/>
+                <a16:creationId xmlns="" xmlns:a16="http://schemas.microsoft.com/office/drawing/2014/main" id="{A366E7AE-2907-6A4C-B350-63622C840038}"/>
               </a:ext>
             </a:extLst>
           </p:cNvPr>
@@ -7406,7 +7982,7 @@
           <p:cNvPr id="3" name="Content Placeholder 2">
             <a:extLst>
               <a:ext uri="{FF2B5EF4-FFF2-40B4-BE49-F238E27FC236}">
-                <a16:creationId xmlns:a16="http://schemas.microsoft.com/office/drawing/2014/main" xmlns="" id="{9678DAF0-EC40-E05F-BE2A-6BAA3BC34ABB}"/>
+                <a16:creationId xmlns="" xmlns:a16="http://schemas.microsoft.com/office/drawing/2014/main" id="{9678DAF0-EC40-E05F-BE2A-6BAA3BC34ABB}"/>
               </a:ext>
             </a:extLst>
           </p:cNvPr>
@@ -7441,11 +8017,7 @@
           <a:p>
             <a:r>
               <a:rPr lang="en-US" dirty="0" smtClean="0"/>
-              <a:t>Not </a:t>
-            </a:r>
-            <a:r>
-              <a:rPr lang="en-US" dirty="0" smtClean="0"/>
-              <a:t>every feature of a home was included in the model, such as location, or school districts. </a:t>
+              <a:t>Not every feature of a home was included in the model, such as location, or school districts. </a:t>
             </a:r>
             <a:endParaRPr lang="en-US" dirty="0"/>
           </a:p>
@@ -7464,7 +8036,7 @@
           <p:cNvPr id="10" name="TextBox 9">
             <a:extLst>
               <a:ext uri="{FF2B5EF4-FFF2-40B4-BE49-F238E27FC236}">
-                <a16:creationId xmlns:a16="http://schemas.microsoft.com/office/drawing/2014/main" xmlns="" id="{A0319DFB-F773-7122-A4DE-9C823B1A841B}"/>
+                <a16:creationId xmlns="" xmlns:a16="http://schemas.microsoft.com/office/drawing/2014/main" id="{A0319DFB-F773-7122-A4DE-9C823B1A841B}"/>
               </a:ext>
             </a:extLst>
           </p:cNvPr>
